--- a/Term Project/Week 9&10/DSC640_KesavAdithya_Venkidusamy_Week9&10_Term_Project.pptx
+++ b/Term Project/Week 9&10/DSC640_KesavAdithya_Venkidusamy_Week9&10_Term_Project.pptx
@@ -317,7 +317,7 @@
           <a:p>
             <a:fld id="{004A8D02-4E65-4CCD-8312-4AB164C6C77D}" type="datetimeFigureOut">
               <a:rPr lang="en-US"/>
-              <a:t>8/8/2022</a:t>
+              <a:t>8/9/2022</a:t>
             </a:fld>
             <a:endParaRPr/>
           </a:p>
@@ -482,7 +482,7 @@
           <a:p>
             <a:fld id="{67A755D9-D361-47B8-9652-3B4EA9776CE5}" type="datetimeFigureOut">
               <a:rPr lang="en-US"/>
-              <a:t>8/8/2022</a:t>
+              <a:t>8/9/2022</a:t>
             </a:fld>
             <a:endParaRPr/>
           </a:p>
@@ -1328,7 +1328,7 @@
                 <a:ea typeface="Calibri" panose="020F0502020204030204" pitchFamily="34" charset="0"/>
                 <a:cs typeface="Latha" panose="020B0604020202020204" pitchFamily="34" charset="0"/>
               </a:rPr>
-              <a:t>In conclusion, the media is propagating the false propaganda that air travel is exceptionally dangerous after a few recent incidents. However, it is clear that air travel is much safer mode of transportation, and while few incidents may have happened recently, that is not only the factor that needs to considered. So, Thanks for onboarding on our flight. Have a safe journey. </a:t>
+              <a:t>I would conclude telling that the media is propagating the false propaganda that air travel is exceptionally dangerous after a few recent incidents. However, it is clear that air travel is much safer mode of transportation, and while few incidents may have happened recently, that is not only the factor that needs to considered. So, you will be safe travelling in our airplanes.</a:t>
             </a:r>
             <a:endParaRPr lang="en-US" dirty="0"/>
           </a:p>
@@ -1593,7 +1593,7 @@
           <a:p>
             <a:fld id="{83829175-527E-46A3-863C-1BB1F163B849}" type="datetimeFigureOut">
               <a:rPr lang="en-US"/>
-              <a:t>8/8/2022</a:t>
+              <a:t>8/9/2022</a:t>
             </a:fld>
             <a:endParaRPr dirty="0"/>
           </a:p>
@@ -1791,7 +1791,7 @@
           <a:p>
             <a:fld id="{83829175-527E-46A3-863C-1BB1F163B849}" type="datetimeFigureOut">
               <a:rPr lang="en-US"/>
-              <a:t>8/8/2022</a:t>
+              <a:t>8/9/2022</a:t>
             </a:fld>
             <a:endParaRPr/>
           </a:p>
@@ -1999,7 +1999,7 @@
           <a:p>
             <a:fld id="{83829175-527E-46A3-863C-1BB1F163B849}" type="datetimeFigureOut">
               <a:rPr lang="en-US"/>
-              <a:t>8/8/2022</a:t>
+              <a:t>8/9/2022</a:t>
             </a:fld>
             <a:endParaRPr/>
           </a:p>
@@ -2197,7 +2197,7 @@
           <a:p>
             <a:fld id="{83829175-527E-46A3-863C-1BB1F163B849}" type="datetimeFigureOut">
               <a:rPr lang="en-US"/>
-              <a:t>8/8/2022</a:t>
+              <a:t>8/9/2022</a:t>
             </a:fld>
             <a:endParaRPr dirty="0"/>
           </a:p>
@@ -2474,7 +2474,7 @@
           <a:p>
             <a:fld id="{83829175-527E-46A3-863C-1BB1F163B849}" type="datetimeFigureOut">
               <a:rPr lang="en-US"/>
-              <a:t>8/8/2022</a:t>
+              <a:t>8/9/2022</a:t>
             </a:fld>
             <a:endParaRPr dirty="0"/>
           </a:p>
@@ -2783,7 +2783,7 @@
           <a:p>
             <a:fld id="{83829175-527E-46A3-863C-1BB1F163B849}" type="datetimeFigureOut">
               <a:rPr lang="en-US"/>
-              <a:t>8/8/2022</a:t>
+              <a:t>8/9/2022</a:t>
             </a:fld>
             <a:endParaRPr/>
           </a:p>
@@ -3232,7 +3232,7 @@
           <a:p>
             <a:fld id="{83829175-527E-46A3-863C-1BB1F163B849}" type="datetimeFigureOut">
               <a:rPr lang="en-US"/>
-              <a:t>8/8/2022</a:t>
+              <a:t>8/9/2022</a:t>
             </a:fld>
             <a:endParaRPr dirty="0"/>
           </a:p>
@@ -3362,7 +3362,7 @@
           <a:p>
             <a:fld id="{83829175-527E-46A3-863C-1BB1F163B849}" type="datetimeFigureOut">
               <a:rPr lang="en-US"/>
-              <a:t>8/8/2022</a:t>
+              <a:t>8/9/2022</a:t>
             </a:fld>
             <a:endParaRPr/>
           </a:p>
@@ -3483,7 +3483,7 @@
           <a:p>
             <a:fld id="{83829175-527E-46A3-863C-1BB1F163B849}" type="datetimeFigureOut">
               <a:rPr lang="en-US"/>
-              <a:t>8/8/2022</a:t>
+              <a:t>8/9/2022</a:t>
             </a:fld>
             <a:endParaRPr/>
           </a:p>
@@ -3796,7 +3796,7 @@
             <a:fld id="{83829175-527E-46A3-863C-1BB1F163B849}" type="datetimeFigureOut">
               <a:rPr lang="en-US"/>
               <a:pPr/>
-              <a:t>8/8/2022</a:t>
+              <a:t>8/9/2022</a:t>
             </a:fld>
             <a:endParaRPr dirty="0"/>
           </a:p>
@@ -4337,7 +4337,7 @@
             <a:fld id="{83829175-527E-46A3-863C-1BB1F163B849}" type="datetimeFigureOut">
               <a:rPr lang="en-US" smtClean="0"/>
               <a:pPr/>
-              <a:t>8/8/2022</a:t>
+              <a:t>8/9/2022</a:t>
             </a:fld>
             <a:endParaRPr lang="en-US" dirty="0"/>
           </a:p>
@@ -4760,13 +4760,13 @@
   <p:clrMapOvr>
     <a:masterClrMapping/>
   </p:clrMapOvr>
-  <mc:AlternateContent xmlns:mc="http://schemas.openxmlformats.org/markup-compatibility/2006">
-    <mc:Choice xmlns:p14="http://schemas.microsoft.com/office/powerpoint/2010/main" Requires="p14">
+  <mc:AlternateContent xmlns:mc="http://schemas.openxmlformats.org/markup-compatibility/2006" xmlns:p14="http://schemas.microsoft.com/office/powerpoint/2010/main">
+    <mc:Choice Requires="p14">
       <p:transition spd="med" p14:dur="700" advTm="36422">
         <p:fade/>
       </p:transition>
     </mc:Choice>
-    <mc:Fallback>
+    <mc:Fallback xmlns="">
       <p:transition spd="med" advTm="36422">
         <p:fade/>
       </p:transition>
@@ -7862,13 +7862,13 @@
   <p:clrMapOvr>
     <a:masterClrMapping/>
   </p:clrMapOvr>
-  <mc:AlternateContent xmlns:mc="http://schemas.openxmlformats.org/markup-compatibility/2006">
-    <mc:Choice xmlns:p14="http://schemas.microsoft.com/office/powerpoint/2010/main" Requires="p14">
+  <mc:AlternateContent xmlns:mc="http://schemas.openxmlformats.org/markup-compatibility/2006" xmlns:p14="http://schemas.microsoft.com/office/powerpoint/2010/main">
+    <mc:Choice Requires="p14">
       <p:transition spd="med" p14:dur="700" advTm="36422">
         <p:fade/>
       </p:transition>
     </mc:Choice>
-    <mc:Fallback>
+    <mc:Fallback xmlns="">
       <p:transition spd="med" advTm="36422">
         <p:fade/>
       </p:transition>
